--- a/UML/789_객체UML(프로세스).pptx
+++ b/UML/789_객체UML(프로세스).pptx
@@ -254,7 +254,7 @@
           <a:p>
             <a:fld id="{4F4BDD88-E5D9-4E70-A448-3556BB33AA72}" type="datetimeFigureOut">
               <a:rPr lang="ko-KR" altLang="en-US" smtClean="0"/>
-              <a:t>2019-09-16</a:t>
+              <a:t>2019-09-17</a:t>
             </a:fld>
             <a:endParaRPr lang="ko-KR" altLang="en-US"/>
           </a:p>
@@ -653,7 +653,7 @@
           <a:p>
             <a:fld id="{443EFB69-F0EC-4822-AE63-00EAEBE003EB}" type="datetime1">
               <a:rPr lang="ko-KR" altLang="en-US" smtClean="0"/>
-              <a:t>2019-09-16</a:t>
+              <a:t>2019-09-17</a:t>
             </a:fld>
             <a:endParaRPr lang="ko-KR" altLang="en-US"/>
           </a:p>
@@ -916,7 +916,7 @@
           <a:p>
             <a:fld id="{CE59A610-291F-4FCD-B6D1-E1AEA4C57316}" type="datetime1">
               <a:rPr lang="ko-KR" altLang="en-US" smtClean="0"/>
-              <a:t>2019-09-16</a:t>
+              <a:t>2019-09-17</a:t>
             </a:fld>
             <a:endParaRPr lang="ko-KR" altLang="en-US"/>
           </a:p>
@@ -1101,7 +1101,7 @@
           <a:p>
             <a:fld id="{89B384C2-21DC-451A-85E7-10117E4DEC2C}" type="datetime1">
               <a:rPr lang="ko-KR" altLang="en-US" smtClean="0"/>
-              <a:t>2019-09-16</a:t>
+              <a:t>2019-09-17</a:t>
             </a:fld>
             <a:endParaRPr lang="ko-KR" altLang="en-US"/>
           </a:p>
@@ -1440,7 +1440,7 @@
           <a:p>
             <a:fld id="{D65EF312-86D8-4FC5-AD84-AFC561126411}" type="datetime1">
               <a:rPr lang="ko-KR" altLang="en-US" smtClean="0"/>
-              <a:t>2019-09-16</a:t>
+              <a:t>2019-09-17</a:t>
             </a:fld>
             <a:endParaRPr lang="ko-KR" altLang="en-US"/>
           </a:p>
@@ -1661,7 +1661,7 @@
           <a:p>
             <a:fld id="{6B7AF35F-C316-4D44-BCE1-B5D76FAA6FA6}" type="datetime1">
               <a:rPr lang="ko-KR" altLang="en-US" smtClean="0"/>
-              <a:t>2019-09-16</a:t>
+              <a:t>2019-09-17</a:t>
             </a:fld>
             <a:endParaRPr lang="ko-KR" altLang="en-US"/>
           </a:p>
@@ -1900,7 +1900,7 @@
           <a:p>
             <a:fld id="{A0DCB827-A3CE-435B-A78F-1B24C298D468}" type="datetime1">
               <a:rPr lang="ko-KR" altLang="en-US" smtClean="0"/>
-              <a:t>2019-09-16</a:t>
+              <a:t>2019-09-17</a:t>
             </a:fld>
             <a:endParaRPr lang="ko-KR" altLang="en-US"/>
           </a:p>
@@ -2002,7 +2002,7 @@
           <a:p>
             <a:fld id="{9B04BE9A-83D6-4A93-9424-19DD5CD63289}" type="datetime1">
               <a:rPr lang="ko-KR" altLang="en-US" smtClean="0"/>
-              <a:t>2019-09-16</a:t>
+              <a:t>2019-09-17</a:t>
             </a:fld>
             <a:endParaRPr lang="ko-KR" altLang="en-US"/>
           </a:p>
@@ -2286,7 +2286,7 @@
           <a:p>
             <a:fld id="{88474E88-0905-4806-88EC-3D6908030BD7}" type="datetime1">
               <a:rPr lang="ko-KR" altLang="en-US" smtClean="0"/>
-              <a:t>2019-09-16</a:t>
+              <a:t>2019-09-17</a:t>
             </a:fld>
             <a:endParaRPr lang="ko-KR" altLang="en-US"/>
           </a:p>
@@ -2546,7 +2546,7 @@
           <a:p>
             <a:fld id="{B4BDB3A4-79A6-4700-AF39-4ADF589BD2FC}" type="datetime1">
               <a:rPr lang="ko-KR" altLang="en-US" smtClean="0"/>
-              <a:t>2019-09-16</a:t>
+              <a:t>2019-09-17</a:t>
             </a:fld>
             <a:endParaRPr lang="ko-KR" altLang="en-US"/>
           </a:p>
@@ -2723,7 +2723,7 @@
           <a:p>
             <a:fld id="{2FF580AF-4AF3-4251-B2D1-BA9096D22850}" type="datetime1">
               <a:rPr lang="ko-KR" altLang="en-US" smtClean="0"/>
-              <a:t>2019-09-16</a:t>
+              <a:t>2019-09-17</a:t>
             </a:fld>
             <a:endParaRPr lang="ko-KR" altLang="en-US"/>
           </a:p>
@@ -2943,7 +2943,7 @@
           <a:p>
             <a:fld id="{3427A348-7E7B-460C-8F18-76B7CB69ACC0}" type="datetime1">
               <a:rPr lang="ko-KR" altLang="en-US" smtClean="0"/>
-              <a:t>2019-09-16</a:t>
+              <a:t>2019-09-17</a:t>
             </a:fld>
             <a:endParaRPr lang="ko-KR" altLang="en-US"/>
           </a:p>
@@ -4224,7 +4224,30 @@
             </a:r>
             <a:r>
               <a:rPr lang="en-US" altLang="ko-KR" dirty="0" smtClean="0"/>
-              <a:t>(UML</a:t>
+              <a:t>(UML)</a:t>
+            </a:r>
+          </a:p>
+          <a:p>
+            <a:endParaRPr lang="en-US" altLang="ko-KR" dirty="0" smtClean="0"/>
+          </a:p>
+          <a:p>
+            <a:endParaRPr lang="en-US" altLang="ko-KR" dirty="0"/>
+          </a:p>
+          <a:p>
+            <a:endParaRPr lang="en-US" altLang="ko-KR" dirty="0"/>
+          </a:p>
+          <a:p>
+            <a:r>
+              <a:rPr lang="ko-KR" altLang="en-US" dirty="0" smtClean="0"/>
+              <a:t>업무를 가지고 프로세스화 할 수 있는 것 생각해보기</a:t>
+            </a:r>
+            <a:r>
+              <a:rPr lang="en-US" altLang="ko-KR" dirty="0" smtClean="0"/>
+              <a:t>(</a:t>
+            </a:r>
+            <a:r>
+              <a:rPr lang="ko-KR" altLang="en-US" dirty="0" smtClean="0"/>
+              <a:t>이를 바탕으로 프로세스 만들기</a:t>
             </a:r>
             <a:r>
               <a:rPr lang="en-US" altLang="ko-KR" dirty="0" smtClean="0"/>
@@ -4232,27 +4255,6 @@
             </a:r>
           </a:p>
           <a:p>
-            <a:endParaRPr lang="en-US" altLang="ko-KR" dirty="0"/>
-          </a:p>
-          <a:p>
-            <a:r>
-              <a:rPr lang="ko-KR" altLang="en-US" dirty="0" smtClean="0"/>
-              <a:t>업무를 가지고 프로세스화 할 수 있는 것 생각해보기</a:t>
-            </a:r>
-            <a:r>
-              <a:rPr lang="en-US" altLang="ko-KR" dirty="0" smtClean="0"/>
-              <a:t>(</a:t>
-            </a:r>
-            <a:r>
-              <a:rPr lang="ko-KR" altLang="en-US" dirty="0" smtClean="0"/>
-              <a:t>이를 바탕으로 프로세스 만들기</a:t>
-            </a:r>
-            <a:r>
-              <a:rPr lang="en-US" altLang="ko-KR" dirty="0" smtClean="0"/>
-              <a:t>)</a:t>
-            </a:r>
-          </a:p>
-          <a:p>
             <a:r>
               <a:rPr lang="ko-KR" altLang="en-US" dirty="0" smtClean="0"/>
               <a:t>휴가신청 출장신청</a:t>
@@ -4260,6 +4262,12 @@
             <a:r>
               <a:rPr lang="en-US" altLang="ko-KR" dirty="0" smtClean="0"/>
               <a:t>….</a:t>
+            </a:r>
+          </a:p>
+          <a:p>
+            <a:r>
+              <a:rPr lang="ko-KR" altLang="en-US" dirty="0" smtClean="0"/>
+              <a:t>퇴직신청 </a:t>
             </a:r>
             <a:endParaRPr lang="en-US" altLang="ko-KR" dirty="0"/>
           </a:p>
@@ -5112,14 +5120,26 @@
           <a:lstStyle/>
           <a:p>
             <a:r>
-              <a:rPr lang="ko-KR" altLang="en-US" dirty="0" smtClean="0"/>
+              <a:rPr lang="ko-KR" altLang="en-US" b="1" dirty="0" smtClean="0">
+                <a:solidFill>
+                  <a:srgbClr val="FF0000"/>
+                </a:solidFill>
+              </a:rPr>
               <a:t>어려워 보인다</a:t>
             </a:r>
             <a:r>
-              <a:rPr lang="en-US" altLang="ko-KR" dirty="0" smtClean="0"/>
+              <a:rPr lang="en-US" altLang="ko-KR" b="1" dirty="0" smtClean="0">
+                <a:solidFill>
+                  <a:srgbClr val="FF0000"/>
+                </a:solidFill>
+              </a:rPr>
               <a:t>.</a:t>
             </a:r>
-            <a:endParaRPr lang="ko-KR" altLang="en-US" dirty="0"/>
+            <a:endParaRPr lang="ko-KR" altLang="en-US" b="1" dirty="0">
+              <a:solidFill>
+                <a:srgbClr val="FF0000"/>
+              </a:solidFill>
+            </a:endParaRPr>
           </a:p>
         </p:txBody>
       </p:sp>
@@ -5171,7 +5191,11 @@
             </a:r>
             <a:r>
               <a:rPr lang="ko-KR" altLang="en-US" dirty="0" smtClean="0"/>
-              <a:t>는 상태를 표시</a:t>
+              <a:t>는 상태를 </a:t>
+            </a:r>
+            <a:r>
+              <a:rPr lang="ko-KR" altLang="en-US" dirty="0" smtClean="0"/>
+              <a:t>표시 </a:t>
             </a:r>
             <a:endParaRPr lang="en-US" altLang="ko-KR" dirty="0" smtClean="0"/>
           </a:p>
@@ -5228,8 +5252,25 @@
             </a:r>
             <a:r>
               <a:rPr lang="ko-KR" altLang="en-US" dirty="0" smtClean="0"/>
-              <a:t>은 상태의 변화를 표시</a:t>
-            </a:r>
+              <a:t>은 상태의 변화를 </a:t>
+            </a:r>
+            <a:r>
+              <a:rPr lang="ko-KR" altLang="en-US" dirty="0" smtClean="0"/>
+              <a:t>표시</a:t>
+            </a:r>
+            <a:endParaRPr lang="en-US" altLang="ko-KR" dirty="0" smtClean="0"/>
+          </a:p>
+          <a:p>
+            <a:r>
+              <a:rPr lang="ko-KR" altLang="en-US" b="1" dirty="0"/>
+              <a:t>폼 어플리케이션 이 토큰</a:t>
+            </a:r>
+            <a:r>
+              <a:rPr lang="en-US" altLang="ko-KR" b="1" dirty="0"/>
+              <a:t>?</a:t>
+            </a:r>
+          </a:p>
+          <a:p>
             <a:endParaRPr lang="ko-KR" altLang="en-US" dirty="0"/>
           </a:p>
         </p:txBody>
@@ -5425,6 +5466,94 @@
           </a:prstGeom>
         </p:spPr>
       </p:pic>
+      <p:sp>
+        <p:nvSpPr>
+          <p:cNvPr id="3" name="직사각형 2"/>
+          <p:cNvSpPr/>
+          <p:nvPr/>
+        </p:nvSpPr>
+        <p:spPr>
+          <a:xfrm>
+            <a:off x="2355010" y="3557804"/>
+            <a:ext cx="1104181" cy="267419"/>
+          </a:xfrm>
+          <a:prstGeom prst="rect">
+            <a:avLst/>
+          </a:prstGeom>
+        </p:spPr>
+        <p:style>
+          <a:lnRef idx="2">
+            <a:schemeClr val="accent1">
+              <a:shade val="50000"/>
+            </a:schemeClr>
+          </a:lnRef>
+          <a:fillRef idx="1">
+            <a:schemeClr val="accent1"/>
+          </a:fillRef>
+          <a:effectRef idx="0">
+            <a:schemeClr val="accent1"/>
+          </a:effectRef>
+          <a:fontRef idx="minor">
+            <a:schemeClr val="lt1"/>
+          </a:fontRef>
+        </p:style>
+        <p:txBody>
+          <a:bodyPr rtlCol="0" anchor="ctr"/>
+          <a:lstStyle/>
+          <a:p>
+            <a:pPr algn="ctr"/>
+            <a:r>
+              <a:rPr lang="ko-KR" altLang="en-US" dirty="0" smtClean="0"/>
+              <a:t>동시업무</a:t>
+            </a:r>
+            <a:endParaRPr lang="ko-KR" altLang="en-US" dirty="0"/>
+          </a:p>
+        </p:txBody>
+      </p:sp>
+      <p:sp>
+        <p:nvSpPr>
+          <p:cNvPr id="7" name="직사각형 6"/>
+          <p:cNvSpPr/>
+          <p:nvPr/>
+        </p:nvSpPr>
+        <p:spPr>
+          <a:xfrm>
+            <a:off x="6728604" y="3580888"/>
+            <a:ext cx="1411856" cy="298456"/>
+          </a:xfrm>
+          <a:prstGeom prst="rect">
+            <a:avLst/>
+          </a:prstGeom>
+        </p:spPr>
+        <p:style>
+          <a:lnRef idx="2">
+            <a:schemeClr val="accent1">
+              <a:shade val="50000"/>
+            </a:schemeClr>
+          </a:lnRef>
+          <a:fillRef idx="1">
+            <a:schemeClr val="accent1"/>
+          </a:fillRef>
+          <a:effectRef idx="0">
+            <a:schemeClr val="accent1"/>
+          </a:effectRef>
+          <a:fontRef idx="minor">
+            <a:schemeClr val="lt1"/>
+          </a:fontRef>
+        </p:style>
+        <p:txBody>
+          <a:bodyPr rtlCol="0" anchor="ctr"/>
+          <a:lstStyle/>
+          <a:p>
+            <a:pPr algn="ctr"/>
+            <a:r>
+              <a:rPr lang="ko-KR" altLang="en-US" dirty="0" smtClean="0"/>
+              <a:t>선택적 업무</a:t>
+            </a:r>
+            <a:endParaRPr lang="ko-KR" altLang="en-US" dirty="0"/>
+          </a:p>
+        </p:txBody>
+      </p:sp>
     </p:spTree>
     <p:extLst>
       <p:ext uri="{BB962C8B-B14F-4D97-AF65-F5344CB8AC3E}">
@@ -6020,29 +6149,89 @@
           <a:lstStyle/>
           <a:p>
             <a:r>
+              <a:rPr lang="en-US" altLang="ko-KR" b="1" dirty="0" smtClean="0">
+                <a:solidFill>
+                  <a:srgbClr val="FF0000"/>
+                </a:solidFill>
+              </a:rPr>
+              <a:t>BPMN(</a:t>
+            </a:r>
+            <a:r>
+              <a:rPr lang="ko-KR" altLang="en-US" b="1" dirty="0" smtClean="0">
+                <a:solidFill>
+                  <a:srgbClr val="FF0000"/>
+                </a:solidFill>
+              </a:rPr>
+              <a:t>시험범위 </a:t>
+            </a:r>
+            <a:r>
+              <a:rPr lang="ko-KR" altLang="en-US" b="1" dirty="0" smtClean="0">
+                <a:solidFill>
+                  <a:srgbClr val="FF0000"/>
+                </a:solidFill>
+              </a:rPr>
+              <a:t>그리</a:t>
+            </a:r>
+            <a:r>
+              <a:rPr lang="ko-KR" altLang="en-US" b="1" dirty="0" smtClean="0">
+                <a:solidFill>
+                  <a:srgbClr val="FF0000"/>
+                </a:solidFill>
+              </a:rPr>
+              <a:t>기</a:t>
+            </a:r>
+            <a:r>
+              <a:rPr lang="en-US" altLang="ko-KR" b="1" dirty="0" smtClean="0">
+                <a:solidFill>
+                  <a:srgbClr val="FF0000"/>
+                </a:solidFill>
+              </a:rPr>
+              <a:t>)</a:t>
+            </a:r>
+            <a:endParaRPr lang="ko-KR" altLang="en-US" b="1" dirty="0">
+              <a:solidFill>
+                <a:srgbClr val="FF0000"/>
+              </a:solidFill>
+            </a:endParaRPr>
+          </a:p>
+        </p:txBody>
+      </p:sp>
+      <p:sp>
+        <p:nvSpPr>
+          <p:cNvPr id="3" name="내용 개체 틀 2"/>
+          <p:cNvSpPr>
+            <a:spLocks noGrp="1"/>
+          </p:cNvSpPr>
+          <p:nvPr>
+            <p:ph idx="1"/>
+          </p:nvPr>
+        </p:nvSpPr>
+        <p:spPr/>
+        <p:txBody>
+          <a:bodyPr/>
+          <a:lstStyle/>
+          <a:p>
+            <a:r>
               <a:rPr lang="en-US" altLang="ko-KR" dirty="0" smtClean="0"/>
-              <a:t>BPMN</a:t>
+              <a:t>BPMI</a:t>
+            </a:r>
+            <a:r>
+              <a:rPr lang="ko-KR" altLang="en-US" dirty="0" smtClean="0"/>
+              <a:t>에서 정의 하다가 </a:t>
+            </a:r>
+            <a:r>
+              <a:rPr lang="en-US" altLang="ko-KR" dirty="0" smtClean="0"/>
+              <a:t>OMG </a:t>
+            </a:r>
+            <a:r>
+              <a:rPr lang="ko-KR" altLang="en-US" dirty="0" smtClean="0"/>
+              <a:t>단체에서 정의</a:t>
+            </a:r>
+            <a:r>
+              <a:rPr lang="en-US" altLang="ko-KR" dirty="0" smtClean="0"/>
+              <a:t>?</a:t>
             </a:r>
             <a:endParaRPr lang="ko-KR" altLang="en-US" dirty="0"/>
-          </a:p>
-        </p:txBody>
-      </p:sp>
-      <p:sp>
-        <p:nvSpPr>
-          <p:cNvPr id="3" name="내용 개체 틀 2"/>
-          <p:cNvSpPr>
-            <a:spLocks noGrp="1"/>
-          </p:cNvSpPr>
-          <p:nvPr>
-            <p:ph idx="1"/>
-          </p:nvPr>
-        </p:nvSpPr>
-        <p:spPr/>
-        <p:txBody>
-          <a:bodyPr/>
-          <a:lstStyle/>
-          <a:p>
-            <a:endParaRPr lang="ko-KR" altLang="en-US"/>
           </a:p>
         </p:txBody>
       </p:sp>
@@ -6252,7 +6441,6 @@
               <a:rPr lang="en-US" altLang="ko-KR" dirty="0" smtClean="0"/>
               <a:t>.</a:t>
             </a:r>
-            <a:endParaRPr lang="en-US" altLang="ko-KR" dirty="0" smtClean="0"/>
           </a:p>
           <a:p>
             <a:pPr marL="0" indent="0">
@@ -6277,15 +6465,7 @@
           <a:p>
             <a:r>
               <a:rPr lang="ko-KR" altLang="en-US" b="1" dirty="0" smtClean="0"/>
-              <a:t>관련 </a:t>
-            </a:r>
-            <a:r>
-              <a:rPr lang="ko-KR" altLang="en-US" b="1" dirty="0" smtClean="0"/>
-              <a:t>있는 업무의 </a:t>
-            </a:r>
-            <a:r>
-              <a:rPr lang="ko-KR" altLang="en-US" b="1" dirty="0" smtClean="0"/>
-              <a:t>집합</a:t>
+              <a:t>관련 있는 업무의 집합</a:t>
             </a:r>
             <a:endParaRPr lang="en-US" altLang="ko-KR" b="1" dirty="0" smtClean="0"/>
           </a:p>
@@ -6393,7 +6573,7 @@
           <a:bodyPr/>
           <a:lstStyle/>
           <a:p>
-            <a:endParaRPr lang="ko-KR" altLang="en-US"/>
+            <a:endParaRPr lang="ko-KR" altLang="en-US" dirty="0"/>
           </a:p>
         </p:txBody>
       </p:sp>
@@ -6683,78 +6863,224 @@
             </a:r>
             <a:r>
               <a:rPr lang="ko-KR" altLang="en-US" sz="1400" dirty="0"/>
-              <a:t>의 기본 표기</a:t>
+              <a:t>의 기본 </a:t>
+            </a:r>
+            <a:r>
+              <a:rPr lang="ko-KR" altLang="en-US" sz="1400" dirty="0" smtClean="0"/>
+              <a:t>표기 </a:t>
             </a:r>
             <a:endParaRPr lang="en-US" altLang="ko-KR" sz="1400" dirty="0"/>
           </a:p>
           <a:p>
             <a:pPr lvl="1"/>
             <a:r>
-              <a:rPr lang="ko-KR" altLang="en-US" sz="1400" b="1" dirty="0" err="1"/>
+              <a:rPr lang="ko-KR" altLang="en-US" sz="1400" b="1" dirty="0" err="1">
+                <a:solidFill>
+                  <a:srgbClr val="FF0000"/>
+                </a:solidFill>
+              </a:rPr>
               <a:t>게이트웨이</a:t>
             </a:r>
             <a:r>
-              <a:rPr lang="ko-KR" altLang="en-US" sz="1400" b="1" dirty="0"/>
+              <a:rPr lang="ko-KR" altLang="en-US" sz="1400" b="1" dirty="0">
+                <a:solidFill>
+                  <a:srgbClr val="FF0000"/>
+                </a:solidFill>
+              </a:rPr>
               <a:t> </a:t>
             </a:r>
             <a:r>
-              <a:rPr lang="en-US" altLang="ko-KR" sz="1400" b="1" dirty="0"/>
+              <a:rPr lang="en-US" altLang="ko-KR" sz="1400" b="1" dirty="0">
+                <a:solidFill>
+                  <a:srgbClr val="FF0000"/>
+                </a:solidFill>
+              </a:rPr>
               <a:t>- </a:t>
             </a:r>
             <a:r>
-              <a:rPr lang="ko-KR" altLang="en-US" sz="1400" b="1" dirty="0" err="1"/>
+              <a:rPr lang="ko-KR" altLang="en-US" sz="1400" b="1" dirty="0" err="1">
+                <a:solidFill>
+                  <a:srgbClr val="FF0000"/>
+                </a:solidFill>
+              </a:rPr>
               <a:t>게이트웨이</a:t>
             </a:r>
             <a:r>
-              <a:rPr lang="ko-KR" altLang="en-US" sz="1400" b="1" dirty="0"/>
-              <a:t> 유형</a:t>
-            </a:r>
+              <a:rPr lang="ko-KR" altLang="en-US" sz="1400" b="1" dirty="0">
+                <a:solidFill>
+                  <a:srgbClr val="FF0000"/>
+                </a:solidFill>
+              </a:rPr>
+              <a:t> </a:t>
+            </a:r>
+            <a:r>
+              <a:rPr lang="ko-KR" altLang="en-US" sz="1400" b="1" dirty="0" smtClean="0">
+                <a:solidFill>
+                  <a:srgbClr val="FF0000"/>
+                </a:solidFill>
+              </a:rPr>
+              <a:t>유형 </a:t>
+            </a:r>
+            <a:r>
+              <a:rPr lang="en-US" altLang="ko-KR" sz="1400" b="1" dirty="0" smtClean="0">
+                <a:solidFill>
+                  <a:srgbClr val="FF0000"/>
+                </a:solidFill>
+              </a:rPr>
+              <a:t>(</a:t>
+            </a:r>
+            <a:r>
+              <a:rPr lang="ko-KR" altLang="en-US" sz="1400" b="1" dirty="0" smtClean="0">
+                <a:solidFill>
+                  <a:srgbClr val="FF0000"/>
+                </a:solidFill>
+              </a:rPr>
+              <a:t>분기</a:t>
+            </a:r>
+            <a:r>
+              <a:rPr lang="en-US" altLang="ko-KR" sz="1400" b="1" dirty="0" smtClean="0">
+                <a:solidFill>
+                  <a:srgbClr val="FF0000"/>
+                </a:solidFill>
+              </a:rPr>
+              <a:t>,</a:t>
+            </a:r>
+            <a:r>
+              <a:rPr lang="ko-KR" altLang="en-US" sz="1400" b="1" dirty="0" smtClean="0">
+                <a:solidFill>
+                  <a:srgbClr val="FF0000"/>
+                </a:solidFill>
+              </a:rPr>
+              <a:t> 조인</a:t>
+            </a:r>
+            <a:r>
+              <a:rPr lang="en-US" altLang="ko-KR" sz="1400" b="1" dirty="0" smtClean="0">
+                <a:solidFill>
+                  <a:srgbClr val="FF0000"/>
+                </a:solidFill>
+              </a:rPr>
+              <a:t>,</a:t>
+            </a:r>
+            <a:r>
+              <a:rPr lang="ko-KR" altLang="en-US" sz="1400" b="1" dirty="0" smtClean="0">
+                <a:solidFill>
+                  <a:srgbClr val="FF0000"/>
+                </a:solidFill>
+              </a:rPr>
+              <a:t> 선택</a:t>
+            </a:r>
+            <a:r>
+              <a:rPr lang="en-US" altLang="ko-KR" sz="1400" b="1" dirty="0" smtClean="0">
+                <a:solidFill>
+                  <a:srgbClr val="FF0000"/>
+                </a:solidFill>
+              </a:rPr>
+              <a:t>)</a:t>
+            </a:r>
+            <a:endParaRPr lang="ko-KR" altLang="en-US" sz="1400" b="1" dirty="0">
+              <a:solidFill>
+                <a:srgbClr val="FF0000"/>
+              </a:solidFill>
+            </a:endParaRPr>
           </a:p>
           <a:p>
             <a:pPr lvl="1"/>
             <a:r>
-              <a:rPr lang="ko-KR" altLang="en-US" sz="1400" b="1" dirty="0"/>
+              <a:rPr lang="ko-KR" altLang="en-US" sz="1400" b="1" dirty="0">
+                <a:solidFill>
+                  <a:srgbClr val="FF0000"/>
+                </a:solidFill>
+              </a:rPr>
               <a:t>이벤트 </a:t>
             </a:r>
             <a:r>
-              <a:rPr lang="en-US" altLang="ko-KR" sz="1400" b="1" dirty="0"/>
+              <a:rPr lang="en-US" altLang="ko-KR" sz="1400" b="1" dirty="0">
+                <a:solidFill>
+                  <a:srgbClr val="FF0000"/>
+                </a:solidFill>
+              </a:rPr>
               <a:t>- </a:t>
             </a:r>
             <a:r>
-              <a:rPr lang="ko-KR" altLang="en-US" sz="1400" b="1" dirty="0"/>
+              <a:rPr lang="ko-KR" altLang="en-US" sz="1400" b="1" dirty="0">
+                <a:solidFill>
+                  <a:srgbClr val="FF0000"/>
+                </a:solidFill>
+              </a:rPr>
               <a:t>시작</a:t>
             </a:r>
             <a:r>
-              <a:rPr lang="en-US" altLang="ko-KR" sz="1400" b="1" dirty="0"/>
+              <a:rPr lang="en-US" altLang="ko-KR" sz="1400" b="1" dirty="0">
+                <a:solidFill>
+                  <a:srgbClr val="FF0000"/>
+                </a:solidFill>
+              </a:rPr>
               <a:t>, </a:t>
             </a:r>
             <a:r>
-              <a:rPr lang="ko-KR" altLang="en-US" sz="1400" b="1" dirty="0"/>
+              <a:rPr lang="ko-KR" altLang="en-US" sz="1400" b="1" dirty="0">
+                <a:solidFill>
+                  <a:srgbClr val="FF0000"/>
+                </a:solidFill>
+              </a:rPr>
               <a:t>종료 이벤트</a:t>
             </a:r>
           </a:p>
           <a:p>
             <a:pPr lvl="1"/>
             <a:r>
-              <a:rPr lang="ko-KR" altLang="en-US" sz="1400" b="1" dirty="0" err="1"/>
+              <a:rPr lang="ko-KR" altLang="en-US" sz="1400" b="1" dirty="0" err="1">
+                <a:solidFill>
+                  <a:srgbClr val="FF0000"/>
+                </a:solidFill>
+              </a:rPr>
               <a:t>액티비티</a:t>
             </a:r>
             <a:r>
-              <a:rPr lang="ko-KR" altLang="en-US" sz="1400" b="1" dirty="0"/>
+              <a:rPr lang="ko-KR" altLang="en-US" sz="1400" b="1" dirty="0">
+                <a:solidFill>
+                  <a:srgbClr val="FF0000"/>
+                </a:solidFill>
+              </a:rPr>
               <a:t> </a:t>
             </a:r>
             <a:r>
-              <a:rPr lang="en-US" altLang="ko-KR" sz="1400" b="1" dirty="0"/>
+              <a:rPr lang="en-US" altLang="ko-KR" sz="1400" b="1" dirty="0">
+                <a:solidFill>
+                  <a:srgbClr val="FF0000"/>
+                </a:solidFill>
+              </a:rPr>
               <a:t>- </a:t>
             </a:r>
             <a:r>
-              <a:rPr lang="ko-KR" altLang="en-US" sz="1400" b="1" dirty="0" err="1"/>
+              <a:rPr lang="ko-KR" altLang="en-US" sz="1400" b="1" dirty="0" err="1">
+                <a:solidFill>
+                  <a:srgbClr val="FF0000"/>
+                </a:solidFill>
+              </a:rPr>
               <a:t>액티비티와</a:t>
             </a:r>
             <a:r>
-              <a:rPr lang="ko-KR" altLang="en-US" sz="1400" b="1" dirty="0"/>
-              <a:t> 전역 작업 호출</a:t>
-            </a:r>
+              <a:rPr lang="ko-KR" altLang="en-US" sz="1400" b="1" dirty="0">
+                <a:solidFill>
+                  <a:srgbClr val="FF0000"/>
+                </a:solidFill>
+              </a:rPr>
+              <a:t> 전역 작업 </a:t>
+            </a:r>
+            <a:r>
+              <a:rPr lang="ko-KR" altLang="en-US" sz="1400" b="1" dirty="0" smtClean="0">
+                <a:solidFill>
+                  <a:srgbClr val="FF0000"/>
+                </a:solidFill>
+              </a:rPr>
+              <a:t>호출 </a:t>
+            </a:r>
+            <a:endParaRPr lang="ko-KR" altLang="en-US" sz="1400" b="1" dirty="0">
+              <a:solidFill>
+                <a:srgbClr val="FF0000"/>
+              </a:solidFill>
+            </a:endParaRPr>
           </a:p>
           <a:p>
             <a:endParaRPr lang="en-US" altLang="ko-KR" sz="1400" dirty="0"/>
@@ -7105,125 +7431,182 @@
           <a:lstStyle/>
           <a:p>
             <a:r>
+              <a:rPr lang="ko-KR" altLang="en-US" sz="1400" b="1" dirty="0">
+                <a:solidFill>
+                  <a:srgbClr val="FF0000"/>
+                </a:solidFill>
+              </a:rPr>
+              <a:t>베타적 </a:t>
+            </a:r>
+            <a:r>
+              <a:rPr lang="ko-KR" altLang="en-US" sz="1400" b="1" dirty="0" err="1">
+                <a:solidFill>
+                  <a:srgbClr val="FF0000"/>
+                </a:solidFill>
+              </a:rPr>
+              <a:t>게이트웨이</a:t>
+            </a:r>
+            <a:r>
+              <a:rPr lang="en-US" altLang="ko-KR" sz="1400" dirty="0"/>
+              <a:t>(exclusive gateway)</a:t>
+            </a:r>
+          </a:p>
+          <a:p>
+            <a:pPr lvl="1"/>
+            <a:r>
               <a:rPr lang="ko-KR" altLang="en-US" sz="1400" dirty="0"/>
-              <a:t>베타적 </a:t>
+              <a:t>내부에 </a:t>
+            </a:r>
+            <a:r>
+              <a:rPr lang="en-US" altLang="ko-KR" sz="1400" dirty="0"/>
+              <a:t>X</a:t>
+            </a:r>
+            <a:r>
+              <a:rPr lang="ko-KR" altLang="en-US" sz="1400" dirty="0"/>
+              <a:t>를 넣어도 동일한 표식으로 이해</a:t>
+            </a:r>
+          </a:p>
+          <a:p>
+            <a:pPr lvl="1"/>
+            <a:r>
+              <a:rPr lang="ko-KR" altLang="en-US" sz="1400" dirty="0" err="1"/>
+              <a:t>여러개의</a:t>
+            </a:r>
+            <a:r>
+              <a:rPr lang="ko-KR" altLang="en-US" sz="1400" dirty="0"/>
+              <a:t> </a:t>
+            </a:r>
+            <a:r>
+              <a:rPr lang="ko-KR" altLang="en-US" sz="1400" dirty="0" err="1"/>
+              <a:t>흐름중에</a:t>
+            </a:r>
+            <a:r>
+              <a:rPr lang="ko-KR" altLang="en-US" sz="1400" dirty="0"/>
+              <a:t> 하나를 선택하는 논리적 </a:t>
+            </a:r>
+            <a:r>
+              <a:rPr lang="ko-KR" altLang="en-US" sz="1400" dirty="0" smtClean="0"/>
+              <a:t>흐름</a:t>
+            </a:r>
+            <a:endParaRPr lang="en-US" altLang="ko-KR" sz="1400" dirty="0" smtClean="0"/>
+          </a:p>
+          <a:p>
+            <a:pPr lvl="1"/>
+            <a:r>
+              <a:rPr lang="ko-KR" altLang="en-US" sz="1400" dirty="0" smtClean="0"/>
+              <a:t>배타적으로 분기</a:t>
+            </a:r>
+            <a:r>
+              <a:rPr lang="en-US" altLang="ko-KR" sz="1400" dirty="0" smtClean="0"/>
+              <a:t>(</a:t>
+            </a:r>
+            <a:r>
+              <a:rPr lang="ko-KR" altLang="en-US" sz="1400" dirty="0" err="1" smtClean="0"/>
+              <a:t>둘중하나</a:t>
+            </a:r>
+            <a:r>
+              <a:rPr lang="en-US" altLang="ko-KR" sz="1400" dirty="0" smtClean="0"/>
+              <a:t>)</a:t>
+            </a:r>
+            <a:endParaRPr lang="en-US" altLang="ko-KR" sz="1400" dirty="0"/>
+          </a:p>
+          <a:p>
+            <a:pPr lvl="1"/>
+            <a:endParaRPr lang="en-US" altLang="ko-KR" sz="1400" dirty="0"/>
+          </a:p>
+          <a:p>
+            <a:pPr lvl="1"/>
+            <a:endParaRPr lang="en-US" altLang="ko-KR" sz="1400" dirty="0"/>
+          </a:p>
+          <a:p>
+            <a:pPr lvl="1"/>
+            <a:endParaRPr lang="en-US" altLang="ko-KR" sz="1400" dirty="0"/>
+          </a:p>
+          <a:p>
+            <a:pPr lvl="1"/>
+            <a:endParaRPr lang="en-US" altLang="ko-KR" sz="1400" dirty="0"/>
+          </a:p>
+          <a:p>
+            <a:pPr lvl="1"/>
+            <a:endParaRPr lang="en-US" altLang="ko-KR" sz="1400" dirty="0"/>
+          </a:p>
+          <a:p>
+            <a:pPr lvl="1"/>
+            <a:endParaRPr lang="en-US" altLang="ko-KR" sz="1400" dirty="0"/>
+          </a:p>
+          <a:p>
+            <a:r>
+              <a:rPr lang="ko-KR" altLang="en-US" sz="1400" dirty="0">
+                <a:solidFill>
+                  <a:srgbClr val="FF0000"/>
+                </a:solidFill>
+              </a:rPr>
+              <a:t>병렬 </a:t>
+            </a:r>
+            <a:r>
+              <a:rPr lang="ko-KR" altLang="en-US" sz="1400" dirty="0" err="1">
+                <a:solidFill>
+                  <a:srgbClr val="FF0000"/>
+                </a:solidFill>
+              </a:rPr>
+              <a:t>게이트웨이</a:t>
+            </a:r>
+            <a:r>
+              <a:rPr lang="en-US" altLang="ko-KR" sz="1400" dirty="0"/>
+              <a:t>(parallel gateway)</a:t>
+            </a:r>
+          </a:p>
+          <a:p>
+            <a:pPr lvl="1"/>
+            <a:r>
+              <a:rPr lang="ko-KR" altLang="en-US" sz="1400" dirty="0" err="1"/>
+              <a:t>둘이상의</a:t>
+            </a:r>
+            <a:r>
+              <a:rPr lang="ko-KR" altLang="en-US" sz="1400" dirty="0"/>
+              <a:t> 경로로 분리되어 동시에 실행을 가능하도록 하는 </a:t>
             </a:r>
             <a:r>
               <a:rPr lang="ko-KR" altLang="en-US" sz="1400" dirty="0" err="1"/>
               <a:t>게이트웨이</a:t>
             </a:r>
-            <a:r>
-              <a:rPr lang="en-US" altLang="ko-KR" sz="1400" dirty="0"/>
-              <a:t>(exclusive gateway)</a:t>
-            </a:r>
+            <a:endParaRPr lang="ko-KR" altLang="en-US" sz="1400" dirty="0"/>
           </a:p>
           <a:p>
             <a:pPr lvl="1"/>
             <a:r>
+              <a:rPr lang="ko-KR" altLang="en-US" sz="1400" dirty="0" err="1"/>
+              <a:t>모든경로로</a:t>
+            </a:r>
+            <a:r>
               <a:rPr lang="ko-KR" altLang="en-US" sz="1400" dirty="0"/>
-              <a:t>내부에 </a:t>
-            </a:r>
-            <a:r>
-              <a:rPr lang="en-US" altLang="ko-KR" sz="1400" dirty="0"/>
-              <a:t>X</a:t>
-            </a:r>
-            <a:r>
-              <a:rPr lang="ko-KR" altLang="en-US" sz="1400" dirty="0"/>
-              <a:t>를 넣어도 동일한 표식으로 이해</a:t>
-            </a:r>
-          </a:p>
-          <a:p>
-            <a:pPr lvl="1"/>
-            <a:r>
-              <a:rPr lang="ko-KR" altLang="en-US" sz="1400" dirty="0" err="1"/>
-              <a:t>여러개의</a:t>
-            </a:r>
-            <a:r>
-              <a:rPr lang="ko-KR" altLang="en-US" sz="1400" dirty="0"/>
-              <a:t> </a:t>
-            </a:r>
-            <a:r>
-              <a:rPr lang="ko-KR" altLang="en-US" sz="1400" dirty="0" err="1"/>
-              <a:t>흐름중에</a:t>
-            </a:r>
-            <a:r>
-              <a:rPr lang="ko-KR" altLang="en-US" sz="1400" dirty="0"/>
-              <a:t> 하나를 선택하는 논리적 흐름</a:t>
-            </a:r>
-            <a:endParaRPr lang="en-US" altLang="ko-KR" sz="1400" dirty="0"/>
-          </a:p>
-          <a:p>
-            <a:pPr lvl="1"/>
-            <a:endParaRPr lang="en-US" altLang="ko-KR" sz="1400" dirty="0"/>
-          </a:p>
-          <a:p>
-            <a:pPr lvl="1"/>
-            <a:endParaRPr lang="en-US" altLang="ko-KR" sz="1400" dirty="0"/>
-          </a:p>
-          <a:p>
-            <a:pPr lvl="1"/>
-            <a:endParaRPr lang="en-US" altLang="ko-KR" sz="1400" dirty="0"/>
-          </a:p>
-          <a:p>
-            <a:pPr lvl="1"/>
-            <a:endParaRPr lang="en-US" altLang="ko-KR" sz="1400" dirty="0"/>
-          </a:p>
-          <a:p>
-            <a:pPr lvl="1"/>
-            <a:endParaRPr lang="en-US" altLang="ko-KR" sz="1400" dirty="0"/>
-          </a:p>
-          <a:p>
-            <a:pPr lvl="1"/>
-            <a:endParaRPr lang="en-US" altLang="ko-KR" sz="1400" dirty="0"/>
-          </a:p>
-          <a:p>
-            <a:r>
-              <a:rPr lang="ko-KR" altLang="en-US" sz="1400" dirty="0"/>
-              <a:t>병렬 </a:t>
+              <a:t> 분리된 토큰이 </a:t>
             </a:r>
             <a:r>
               <a:rPr lang="ko-KR" altLang="en-US" sz="1400" dirty="0" err="1"/>
               <a:t>게이트웨이</a:t>
             </a:r>
             <a:r>
-              <a:rPr lang="en-US" altLang="ko-KR" sz="1400" dirty="0"/>
-              <a:t>(parallel gateway)</a:t>
-            </a:r>
+              <a:rPr lang="ko-KR" altLang="en-US" sz="1400" dirty="0"/>
+              <a:t> 도착지에서 모두 만나야 </a:t>
+            </a:r>
+            <a:r>
+              <a:rPr lang="ko-KR" altLang="en-US" sz="1400" dirty="0" smtClean="0"/>
+              <a:t>진행가능</a:t>
+            </a:r>
+            <a:endParaRPr lang="en-US" altLang="ko-KR" sz="1400" dirty="0" smtClean="0"/>
           </a:p>
           <a:p>
             <a:pPr lvl="1"/>
             <a:r>
-              <a:rPr lang="ko-KR" altLang="en-US" sz="1400" dirty="0" err="1"/>
-              <a:t>둘이상의</a:t>
-            </a:r>
-            <a:r>
-              <a:rPr lang="ko-KR" altLang="en-US" sz="1400" dirty="0"/>
-              <a:t> 경로로 분리되어 동시에 실행을 가능하도록 하는 </a:t>
-            </a:r>
-            <a:r>
-              <a:rPr lang="ko-KR" altLang="en-US" sz="1400" dirty="0" err="1"/>
-              <a:t>게이트웨이</a:t>
+              <a:rPr lang="ko-KR" altLang="en-US" sz="1400" dirty="0" err="1" smtClean="0"/>
+              <a:t>둘다</a:t>
+            </a:r>
+            <a:r>
+              <a:rPr lang="ko-KR" altLang="en-US" sz="1400" dirty="0" smtClean="0"/>
+              <a:t> </a:t>
             </a:r>
             <a:endParaRPr lang="ko-KR" altLang="en-US" sz="1400" dirty="0"/>
-          </a:p>
-          <a:p>
-            <a:pPr lvl="1"/>
-            <a:r>
-              <a:rPr lang="ko-KR" altLang="en-US" sz="1400" dirty="0" err="1"/>
-              <a:t>모든경로로</a:t>
-            </a:r>
-            <a:r>
-              <a:rPr lang="ko-KR" altLang="en-US" sz="1400" dirty="0"/>
-              <a:t> 분리된 토큰이 </a:t>
-            </a:r>
-            <a:r>
-              <a:rPr lang="ko-KR" altLang="en-US" sz="1400" dirty="0" err="1"/>
-              <a:t>게이트웨이</a:t>
-            </a:r>
-            <a:r>
-              <a:rPr lang="ko-KR" altLang="en-US" sz="1400" dirty="0"/>
-              <a:t> 도착지에서 모두 만나야 진행가능</a:t>
-            </a:r>
           </a:p>
           <a:p>
             <a:endParaRPr lang="ko-KR" altLang="en-US" dirty="0"/>
@@ -7558,55 +7941,68 @@
           <a:lstStyle/>
           <a:p>
             <a:r>
+              <a:rPr lang="ko-KR" altLang="en-US" sz="1400" b="1" dirty="0"/>
+              <a:t>포괄적 </a:t>
+            </a:r>
+            <a:r>
+              <a:rPr lang="ko-KR" altLang="en-US" sz="1400" b="1" dirty="0" err="1"/>
+              <a:t>게이트웨이</a:t>
+            </a:r>
+            <a:r>
+              <a:rPr lang="en-US" altLang="ko-KR" sz="1400" dirty="0"/>
+              <a:t>(inclusive gateway)</a:t>
+            </a:r>
+          </a:p>
+          <a:p>
+            <a:pPr lvl="1"/>
+            <a:r>
+              <a:rPr lang="ko-KR" altLang="en-US" sz="1400" b="1" dirty="0" smtClean="0"/>
+              <a:t>하나이상의 경로를 선택하는 시작 </a:t>
+            </a:r>
+            <a:r>
+              <a:rPr lang="ko-KR" altLang="en-US" sz="1400" b="1" dirty="0" err="1" smtClean="0"/>
+              <a:t>게이트웨이</a:t>
+            </a:r>
+            <a:r>
+              <a:rPr lang="ko-KR" altLang="en-US" sz="1400" dirty="0" smtClean="0"/>
+              <a:t> 역할</a:t>
+            </a:r>
+            <a:endParaRPr lang="ko-KR" altLang="en-US" sz="1400" dirty="0"/>
+          </a:p>
+          <a:p>
+            <a:pPr lvl="1"/>
+            <a:r>
               <a:rPr lang="ko-KR" altLang="en-US" sz="1400" dirty="0"/>
-              <a:t>포괄적 </a:t>
+              <a:t>하나 이상의 경로가 </a:t>
+            </a:r>
+            <a:r>
+              <a:rPr lang="ko-KR" altLang="en-US" sz="1400" dirty="0" err="1"/>
+              <a:t>진행중일때</a:t>
+            </a:r>
+            <a:r>
+              <a:rPr lang="ko-KR" altLang="en-US" sz="1400" dirty="0"/>
+              <a:t> </a:t>
+            </a:r>
+            <a:r>
+              <a:rPr lang="ko-KR" altLang="en-US" sz="1400" dirty="0" smtClean="0"/>
+              <a:t>도착 </a:t>
             </a:r>
             <a:r>
               <a:rPr lang="ko-KR" altLang="en-US" sz="1400" dirty="0" err="1"/>
               <a:t>게이트웨이</a:t>
             </a:r>
             <a:r>
-              <a:rPr lang="en-US" altLang="ko-KR" sz="1400" dirty="0"/>
-              <a:t>(inclusive gateway)</a:t>
-            </a:r>
+              <a:rPr lang="ko-KR" altLang="en-US" sz="1400" dirty="0"/>
+              <a:t> </a:t>
+            </a:r>
+            <a:r>
+              <a:rPr lang="ko-KR" altLang="en-US" sz="1400" dirty="0" smtClean="0"/>
+              <a:t>역할</a:t>
+            </a:r>
+            <a:endParaRPr lang="en-US" altLang="ko-KR" sz="1400" dirty="0" smtClean="0"/>
           </a:p>
           <a:p>
             <a:pPr lvl="1"/>
-            <a:r>
-              <a:rPr lang="ko-KR" altLang="en-US" sz="1400" dirty="0"/>
-              <a:t>하나이상의 경로를 선택하는 시작 </a:t>
-            </a:r>
-            <a:r>
-              <a:rPr lang="ko-KR" altLang="en-US" sz="1400" dirty="0" err="1"/>
-              <a:t>게이트웨이</a:t>
-            </a:r>
-            <a:r>
-              <a:rPr lang="ko-KR" altLang="en-US" sz="1400" dirty="0"/>
-              <a:t> 역할</a:t>
-            </a:r>
-          </a:p>
-          <a:p>
-            <a:pPr lvl="1"/>
-            <a:r>
-              <a:rPr lang="ko-KR" altLang="en-US" sz="1400" dirty="0"/>
-              <a:t>하나 이상의 경로가 </a:t>
-            </a:r>
-            <a:r>
-              <a:rPr lang="ko-KR" altLang="en-US" sz="1400" dirty="0" err="1"/>
-              <a:t>진행중일때</a:t>
-            </a:r>
-            <a:r>
-              <a:rPr lang="ko-KR" altLang="en-US" sz="1400" dirty="0"/>
-              <a:t> 도착 </a:t>
-            </a:r>
-            <a:r>
-              <a:rPr lang="ko-KR" altLang="en-US" sz="1400" dirty="0" err="1"/>
-              <a:t>게이트웨이</a:t>
-            </a:r>
-            <a:r>
-              <a:rPr lang="ko-KR" altLang="en-US" sz="1400" dirty="0"/>
-              <a:t> 역할</a:t>
-            </a:r>
             <a:endParaRPr lang="en-US" altLang="ko-KR" sz="1400" dirty="0"/>
           </a:p>
           <a:p>

--- a/UML/789_객체UML(프로세스).pptx
+++ b/UML/789_객체UML(프로세스).pptx
@@ -5191,11 +5191,7 @@
             </a:r>
             <a:r>
               <a:rPr lang="ko-KR" altLang="en-US" dirty="0" smtClean="0"/>
-              <a:t>는 상태를 </a:t>
-            </a:r>
-            <a:r>
-              <a:rPr lang="ko-KR" altLang="en-US" dirty="0" smtClean="0"/>
-              <a:t>표시 </a:t>
+              <a:t>는 상태를 표시 </a:t>
             </a:r>
             <a:endParaRPr lang="en-US" altLang="ko-KR" dirty="0" smtClean="0"/>
           </a:p>
@@ -5252,11 +5248,7 @@
             </a:r>
             <a:r>
               <a:rPr lang="ko-KR" altLang="en-US" dirty="0" smtClean="0"/>
-              <a:t>은 상태의 변화를 </a:t>
-            </a:r>
-            <a:r>
-              <a:rPr lang="ko-KR" altLang="en-US" dirty="0" smtClean="0"/>
-              <a:t>표시</a:t>
+              <a:t>은 상태의 변화를 표시</a:t>
             </a:r>
             <a:endParaRPr lang="en-US" altLang="ko-KR" dirty="0" smtClean="0"/>
           </a:p>
@@ -6162,23 +6154,7 @@
                   <a:srgbClr val="FF0000"/>
                 </a:solidFill>
               </a:rPr>
-              <a:t>시험범위 </a:t>
-            </a:r>
-            <a:r>
-              <a:rPr lang="ko-KR" altLang="en-US" b="1" dirty="0" smtClean="0">
-                <a:solidFill>
-                  <a:srgbClr val="FF0000"/>
-                </a:solidFill>
-              </a:rPr>
-              <a:t>그리</a:t>
-            </a:r>
-            <a:r>
-              <a:rPr lang="ko-KR" altLang="en-US" b="1" dirty="0" smtClean="0">
-                <a:solidFill>
-                  <a:srgbClr val="FF0000"/>
-                </a:solidFill>
-              </a:rPr>
-              <a:t>기</a:t>
+              <a:t>시험범위 그리기</a:t>
             </a:r>
             <a:r>
               <a:rPr lang="en-US" altLang="ko-KR" b="1" dirty="0" smtClean="0">
@@ -8596,11 +8572,19 @@
           <a:lstStyle/>
           <a:p>
             <a:r>
-              <a:rPr lang="ko-KR" altLang="en-US" dirty="0" err="1" smtClean="0"/>
+              <a:rPr lang="ko-KR" altLang="en-US" b="1" dirty="0" err="1" smtClean="0">
+                <a:solidFill>
+                  <a:srgbClr val="FF0000"/>
+                </a:solidFill>
+              </a:rPr>
               <a:t>액티비티</a:t>
             </a:r>
             <a:r>
-              <a:rPr lang="ko-KR" altLang="en-US" dirty="0" smtClean="0"/>
+              <a:rPr lang="ko-KR" altLang="en-US" b="1" dirty="0" smtClean="0">
+                <a:solidFill>
+                  <a:srgbClr val="FF0000"/>
+                </a:solidFill>
+              </a:rPr>
               <a:t> 다이어그램 </a:t>
             </a:r>
             <a:r>
@@ -9464,6 +9448,224 @@
           </a:extLst>
         </p:spPr>
       </p:pic>
+      <p:sp>
+        <p:nvSpPr>
+          <p:cNvPr id="4" name="직사각형 3"/>
+          <p:cNvSpPr/>
+          <p:nvPr/>
+        </p:nvSpPr>
+        <p:spPr>
+          <a:xfrm>
+            <a:off x="207818" y="2901141"/>
+            <a:ext cx="1778924" cy="1787237"/>
+          </a:xfrm>
+          <a:prstGeom prst="rect">
+            <a:avLst/>
+          </a:prstGeom>
+        </p:spPr>
+        <p:style>
+          <a:lnRef idx="2">
+            <a:schemeClr val="accent1">
+              <a:shade val="50000"/>
+            </a:schemeClr>
+          </a:lnRef>
+          <a:fillRef idx="1">
+            <a:schemeClr val="accent1"/>
+          </a:fillRef>
+          <a:effectRef idx="0">
+            <a:schemeClr val="accent1"/>
+          </a:effectRef>
+          <a:fontRef idx="minor">
+            <a:schemeClr val="lt1"/>
+          </a:fontRef>
+        </p:style>
+        <p:txBody>
+          <a:bodyPr rtlCol="0" anchor="ctr"/>
+          <a:lstStyle/>
+          <a:p>
+            <a:pPr algn="ctr"/>
+            <a:r>
+              <a:rPr lang="ko-KR" altLang="en-US" dirty="0" smtClean="0"/>
+              <a:t>병렬적 분기</a:t>
+            </a:r>
+            <a:endParaRPr lang="en-US" altLang="ko-KR" dirty="0" smtClean="0"/>
+          </a:p>
+          <a:p>
+            <a:pPr algn="ctr"/>
+            <a:r>
+              <a:rPr lang="ko-KR" altLang="en-US" dirty="0" smtClean="0"/>
+              <a:t>시험문제</a:t>
+            </a:r>
+            <a:endParaRPr lang="en-US" altLang="ko-KR" dirty="0" smtClean="0"/>
+          </a:p>
+          <a:p>
+            <a:pPr algn="ctr"/>
+            <a:endParaRPr lang="en-US" altLang="ko-KR" dirty="0"/>
+          </a:p>
+          <a:p>
+            <a:pPr algn="ctr"/>
+            <a:r>
+              <a:rPr lang="ko-KR" altLang="en-US" dirty="0" smtClean="0"/>
+              <a:t>분기가 시작되면 끝이 있어야 한다</a:t>
+            </a:r>
+            <a:endParaRPr lang="ko-KR" altLang="en-US" dirty="0"/>
+          </a:p>
+        </p:txBody>
+      </p:sp>
+      <p:cxnSp>
+        <p:nvCxnSpPr>
+          <p:cNvPr id="6" name="직선 화살표 연결선 5"/>
+          <p:cNvCxnSpPr/>
+          <p:nvPr/>
+        </p:nvCxnSpPr>
+        <p:spPr>
+          <a:xfrm>
+            <a:off x="6400800" y="4239491"/>
+            <a:ext cx="839585" cy="0"/>
+          </a:xfrm>
+          <a:prstGeom prst="straightConnector1">
+            <a:avLst/>
+          </a:prstGeom>
+          <a:ln>
+            <a:tailEnd type="triangle"/>
+          </a:ln>
+        </p:spPr>
+        <p:style>
+          <a:lnRef idx="1">
+            <a:schemeClr val="accent1"/>
+          </a:lnRef>
+          <a:fillRef idx="0">
+            <a:schemeClr val="accent1"/>
+          </a:fillRef>
+          <a:effectRef idx="0">
+            <a:schemeClr val="accent1"/>
+          </a:effectRef>
+          <a:fontRef idx="minor">
+            <a:schemeClr val="tx1"/>
+          </a:fontRef>
+        </p:style>
+      </p:cxnSp>
+      <p:cxnSp>
+        <p:nvCxnSpPr>
+          <p:cNvPr id="8" name="직선 화살표 연결선 7"/>
+          <p:cNvCxnSpPr/>
+          <p:nvPr/>
+        </p:nvCxnSpPr>
+        <p:spPr>
+          <a:xfrm>
+            <a:off x="6425738" y="5611091"/>
+            <a:ext cx="731520" cy="0"/>
+          </a:xfrm>
+          <a:prstGeom prst="straightConnector1">
+            <a:avLst/>
+          </a:prstGeom>
+          <a:ln>
+            <a:tailEnd type="triangle"/>
+          </a:ln>
+        </p:spPr>
+        <p:style>
+          <a:lnRef idx="1">
+            <a:schemeClr val="accent1"/>
+          </a:lnRef>
+          <a:fillRef idx="0">
+            <a:schemeClr val="accent1"/>
+          </a:fillRef>
+          <a:effectRef idx="0">
+            <a:schemeClr val="accent1"/>
+          </a:effectRef>
+          <a:fontRef idx="minor">
+            <a:schemeClr val="tx1"/>
+          </a:fontRef>
+        </p:style>
+      </p:cxnSp>
+      <p:sp>
+        <p:nvSpPr>
+          <p:cNvPr id="9" name="직사각형 8"/>
+          <p:cNvSpPr/>
+          <p:nvPr/>
+        </p:nvSpPr>
+        <p:spPr>
+          <a:xfrm>
+            <a:off x="7547956" y="4048298"/>
+            <a:ext cx="789709" cy="390698"/>
+          </a:xfrm>
+          <a:prstGeom prst="rect">
+            <a:avLst/>
+          </a:prstGeom>
+        </p:spPr>
+        <p:style>
+          <a:lnRef idx="2">
+            <a:schemeClr val="accent1">
+              <a:shade val="50000"/>
+            </a:schemeClr>
+          </a:lnRef>
+          <a:fillRef idx="1">
+            <a:schemeClr val="accent1"/>
+          </a:fillRef>
+          <a:effectRef idx="0">
+            <a:schemeClr val="accent1"/>
+          </a:effectRef>
+          <a:fontRef idx="minor">
+            <a:schemeClr val="lt1"/>
+          </a:fontRef>
+        </p:style>
+        <p:txBody>
+          <a:bodyPr rtlCol="0" anchor="ctr"/>
+          <a:lstStyle/>
+          <a:p>
+            <a:pPr algn="ctr"/>
+            <a:r>
+              <a:rPr lang="ko-KR" altLang="en-US" smtClean="0"/>
+              <a:t>시작</a:t>
+            </a:r>
+            <a:endParaRPr lang="ko-KR" altLang="en-US"/>
+          </a:p>
+        </p:txBody>
+      </p:sp>
+      <p:sp>
+        <p:nvSpPr>
+          <p:cNvPr id="10" name="직사각형 9"/>
+          <p:cNvSpPr/>
+          <p:nvPr/>
+        </p:nvSpPr>
+        <p:spPr>
+          <a:xfrm>
+            <a:off x="7564582" y="5486400"/>
+            <a:ext cx="856211" cy="498764"/>
+          </a:xfrm>
+          <a:prstGeom prst="rect">
+            <a:avLst/>
+          </a:prstGeom>
+        </p:spPr>
+        <p:style>
+          <a:lnRef idx="2">
+            <a:schemeClr val="accent1">
+              <a:shade val="50000"/>
+            </a:schemeClr>
+          </a:lnRef>
+          <a:fillRef idx="1">
+            <a:schemeClr val="accent1"/>
+          </a:fillRef>
+          <a:effectRef idx="0">
+            <a:schemeClr val="accent1"/>
+          </a:effectRef>
+          <a:fontRef idx="minor">
+            <a:schemeClr val="lt1"/>
+          </a:fontRef>
+        </p:style>
+        <p:txBody>
+          <a:bodyPr rtlCol="0" anchor="ctr"/>
+          <a:lstStyle/>
+          <a:p>
+            <a:pPr algn="ctr"/>
+            <a:r>
+              <a:rPr lang="ko-KR" altLang="en-US" dirty="0" smtClean="0"/>
+              <a:t>끝</a:t>
+            </a:r>
+            <a:endParaRPr lang="ko-KR" altLang="en-US" dirty="0"/>
+          </a:p>
+        </p:txBody>
+      </p:sp>
     </p:spTree>
     <p:extLst>
       <p:ext uri="{BB962C8B-B14F-4D97-AF65-F5344CB8AC3E}">
@@ -9520,6 +9722,18 @@
               <a:rPr lang="en-US" altLang="ko-KR" dirty="0" err="1" smtClean="0"/>
               <a:t>SwimLane</a:t>
             </a:r>
+            <a:r>
+              <a:rPr lang="en-US" altLang="ko-KR" dirty="0" smtClean="0"/>
+              <a:t>(</a:t>
+            </a:r>
+            <a:r>
+              <a:rPr lang="ko-KR" altLang="en-US" dirty="0" smtClean="0"/>
+              <a:t>수영장 레인</a:t>
+            </a:r>
+            <a:r>
+              <a:rPr lang="en-US" altLang="ko-KR" dirty="0" smtClean="0"/>
+              <a:t>)</a:t>
+            </a:r>
             <a:endParaRPr lang="ko-KR" altLang="en-US" dirty="0"/>
           </a:p>
         </p:txBody>
@@ -9577,11 +9791,38 @@
             </a:r>
             <a:r>
               <a:rPr lang="ko-KR" altLang="en-US" dirty="0" smtClean="0"/>
-              <a:t>다양한 프로세스 흐름의 정의할 때 사용함</a:t>
+              <a:t>다양한 프로세스 </a:t>
+            </a:r>
+            <a:r>
+              <a:rPr lang="ko-KR" altLang="en-US" b="1" dirty="0" smtClean="0"/>
+              <a:t>흐름의 정의할 때 사용함</a:t>
             </a:r>
             <a:r>
               <a:rPr lang="en-US" altLang="ko-KR" dirty="0" smtClean="0"/>
               <a:t>.</a:t>
+            </a:r>
+          </a:p>
+          <a:p>
+            <a:pPr lvl="1"/>
+            <a:r>
+              <a:rPr lang="ko-KR" altLang="en-US" dirty="0" smtClean="0"/>
+              <a:t>시스템</a:t>
+            </a:r>
+            <a:r>
+              <a:rPr lang="en-US" altLang="ko-KR" dirty="0" smtClean="0"/>
+              <a:t>, </a:t>
+            </a:r>
+            <a:r>
+              <a:rPr lang="ko-KR" altLang="en-US" dirty="0" smtClean="0"/>
+              <a:t>역할</a:t>
+            </a:r>
+            <a:r>
+              <a:rPr lang="en-US" altLang="ko-KR" dirty="0"/>
+              <a:t> </a:t>
+            </a:r>
+            <a:r>
+              <a:rPr lang="ko-KR" altLang="en-US" dirty="0" smtClean="0"/>
+              <a:t>등으로 </a:t>
             </a:r>
             <a:endParaRPr lang="ko-KR" altLang="en-US" dirty="0"/>
           </a:p>
@@ -9703,7 +9944,7 @@
           <a:bodyPr/>
           <a:lstStyle/>
           <a:p>
-            <a:endParaRPr lang="ko-KR" altLang="en-US"/>
+            <a:endParaRPr lang="ko-KR" altLang="en-US" dirty="0"/>
           </a:p>
         </p:txBody>
       </p:sp>
